--- a/images/pipet.pptx
+++ b/images/pipet.pptx
@@ -243,7 +243,7 @@
           <a:p>
             <a:fld id="{D565068E-A1BD-4066-9CE0-90E42F2B01EE}" type="datetimeFigureOut">
               <a:rPr lang="en-US" smtClean="0"/>
-              <a:t>7/31/2020</a:t>
+              <a:t>5/3/21</a:t>
             </a:fld>
             <a:endParaRPr lang="en-US"/>
           </a:p>
@@ -413,7 +413,7 @@
           <a:p>
             <a:fld id="{D565068E-A1BD-4066-9CE0-90E42F2B01EE}" type="datetimeFigureOut">
               <a:rPr lang="en-US" smtClean="0"/>
-              <a:t>7/31/2020</a:t>
+              <a:t>5/3/21</a:t>
             </a:fld>
             <a:endParaRPr lang="en-US"/>
           </a:p>
@@ -593,7 +593,7 @@
           <a:p>
             <a:fld id="{D565068E-A1BD-4066-9CE0-90E42F2B01EE}" type="datetimeFigureOut">
               <a:rPr lang="en-US" smtClean="0"/>
-              <a:t>7/31/2020</a:t>
+              <a:t>5/3/21</a:t>
             </a:fld>
             <a:endParaRPr lang="en-US"/>
           </a:p>
@@ -763,7 +763,7 @@
           <a:p>
             <a:fld id="{D565068E-A1BD-4066-9CE0-90E42F2B01EE}" type="datetimeFigureOut">
               <a:rPr lang="en-US" smtClean="0"/>
-              <a:t>7/31/2020</a:t>
+              <a:t>5/3/21</a:t>
             </a:fld>
             <a:endParaRPr lang="en-US"/>
           </a:p>
@@ -1007,7 +1007,7 @@
           <a:p>
             <a:fld id="{D565068E-A1BD-4066-9CE0-90E42F2B01EE}" type="datetimeFigureOut">
               <a:rPr lang="en-US" smtClean="0"/>
-              <a:t>7/31/2020</a:t>
+              <a:t>5/3/21</a:t>
             </a:fld>
             <a:endParaRPr lang="en-US"/>
           </a:p>
@@ -1239,7 +1239,7 @@
           <a:p>
             <a:fld id="{D565068E-A1BD-4066-9CE0-90E42F2B01EE}" type="datetimeFigureOut">
               <a:rPr lang="en-US" smtClean="0"/>
-              <a:t>7/31/2020</a:t>
+              <a:t>5/3/21</a:t>
             </a:fld>
             <a:endParaRPr lang="en-US"/>
           </a:p>
@@ -1606,7 +1606,7 @@
           <a:p>
             <a:fld id="{D565068E-A1BD-4066-9CE0-90E42F2B01EE}" type="datetimeFigureOut">
               <a:rPr lang="en-US" smtClean="0"/>
-              <a:t>7/31/2020</a:t>
+              <a:t>5/3/21</a:t>
             </a:fld>
             <a:endParaRPr lang="en-US"/>
           </a:p>
@@ -1724,7 +1724,7 @@
           <a:p>
             <a:fld id="{D565068E-A1BD-4066-9CE0-90E42F2B01EE}" type="datetimeFigureOut">
               <a:rPr lang="en-US" smtClean="0"/>
-              <a:t>7/31/2020</a:t>
+              <a:t>5/3/21</a:t>
             </a:fld>
             <a:endParaRPr lang="en-US"/>
           </a:p>
@@ -1819,7 +1819,7 @@
           <a:p>
             <a:fld id="{D565068E-A1BD-4066-9CE0-90E42F2B01EE}" type="datetimeFigureOut">
               <a:rPr lang="en-US" smtClean="0"/>
-              <a:t>7/31/2020</a:t>
+              <a:t>5/3/21</a:t>
             </a:fld>
             <a:endParaRPr lang="en-US"/>
           </a:p>
@@ -2096,7 +2096,7 @@
           <a:p>
             <a:fld id="{D565068E-A1BD-4066-9CE0-90E42F2B01EE}" type="datetimeFigureOut">
               <a:rPr lang="en-US" smtClean="0"/>
-              <a:t>7/31/2020</a:t>
+              <a:t>5/3/21</a:t>
             </a:fld>
             <a:endParaRPr lang="en-US"/>
           </a:p>
@@ -2353,7 +2353,7 @@
           <a:p>
             <a:fld id="{D565068E-A1BD-4066-9CE0-90E42F2B01EE}" type="datetimeFigureOut">
               <a:rPr lang="en-US" smtClean="0"/>
-              <a:t>7/31/2020</a:t>
+              <a:t>5/3/21</a:t>
             </a:fld>
             <a:endParaRPr lang="en-US"/>
           </a:p>
@@ -2566,7 +2566,7 @@
           <a:p>
             <a:fld id="{D565068E-A1BD-4066-9CE0-90E42F2B01EE}" type="datetimeFigureOut">
               <a:rPr lang="en-US" smtClean="0"/>
-              <a:t>7/31/2020</a:t>
+              <a:t>5/3/21</a:t>
             </a:fld>
             <a:endParaRPr lang="en-US"/>
           </a:p>
@@ -3022,7 +3022,7 @@
         <p:spPr>
           <a:xfrm>
             <a:off x="542217" y="3791086"/>
-            <a:ext cx="4834646" cy="3393237"/>
+            <a:ext cx="4834646" cy="3239348"/>
           </a:xfrm>
           <a:prstGeom prst="rect">
             <a:avLst/>
@@ -3037,27 +3037,48 @@
           <a:p>
             <a:r>
               <a:rPr lang="ko-KR" altLang="en-US" sz="1400" b="1" dirty="0"/>
-              <a:t>계량약리학 워크샵 </a:t>
+              <a:t>신약개발을 위한 실전 </a:t>
+            </a:r>
+            <a:r>
+              <a:rPr lang="ko-KR" altLang="en-US" sz="1400" b="1" dirty="0" err="1"/>
+              <a:t>약동학</a:t>
+            </a:r>
+            <a:r>
+              <a:rPr lang="ko-KR" altLang="en-US" sz="1400" b="1" dirty="0"/>
+              <a:t> </a:t>
             </a:r>
             <a:r>
               <a:rPr lang="en-US" altLang="ko-KR" sz="1400" b="1" dirty="0"/>
-              <a:t>– </a:t>
+              <a:t>(</a:t>
+            </a:r>
+            <a:r>
+              <a:rPr lang="en-US" altLang="ko-Kore-KR" sz="1400" b="1" dirty="0"/>
+              <a:t>I -</a:t>
             </a:r>
             <a:r>
               <a:rPr lang="ko-KR" altLang="en-US" sz="1400" b="1" dirty="0"/>
-              <a:t>초급 과정</a:t>
+              <a:t>이론과 </a:t>
+            </a:r>
+            <a:r>
+              <a:rPr lang="ko-KR" altLang="en-US" sz="1400" b="1" dirty="0" err="1"/>
+              <a:t>자료해석</a:t>
+            </a:r>
+            <a:r>
+              <a:rPr lang="en-US" altLang="ko-KR" sz="1400" b="1" dirty="0"/>
+              <a:t>)</a:t>
             </a:r>
             <a:br>
               <a:rPr lang="en-US" altLang="ko-KR" sz="1400" b="1" dirty="0"/>
             </a:br>
             <a:r>
-              <a:rPr lang="en-US" altLang="ko-KR" sz="1000" dirty="0" err="1"/>
-              <a:t>Pharmacometrics</a:t>
-            </a:r>
-            <a:r>
-              <a:rPr lang="en-US" altLang="ko-KR" sz="1000" dirty="0"/>
-              <a:t> Workshop – Basic Course</a:t>
-            </a:r>
+              <a:rPr lang="en-US" altLang="ko-Kore-KR" sz="1000" dirty="0" err="1"/>
+              <a:t>Phamacokinetics</a:t>
+            </a:r>
+            <a:r>
+              <a:rPr lang="en-US" altLang="ko-Kore-KR" sz="1000" dirty="0"/>
+              <a:t> for pharmaceutical scientists</a:t>
+            </a:r>
+            <a:endParaRPr lang="en-US" altLang="ko-KR" sz="1000" dirty="0"/>
           </a:p>
           <a:p>
             <a:endParaRPr lang="en-US" sz="1050" dirty="0"/>
@@ -3072,7 +3093,7 @@
             </a:r>
             <a:r>
               <a:rPr lang="en-US" altLang="ko-KR" sz="1000" dirty="0"/>
-              <a:t>	2020</a:t>
+              <a:t>	2021</a:t>
             </a:r>
             <a:r>
               <a:rPr lang="ko-KR" altLang="en-US" sz="1000" dirty="0"/>
@@ -3080,7 +3101,7 @@
             </a:r>
             <a:r>
               <a:rPr lang="en-US" altLang="ko-KR" sz="1000" dirty="0"/>
-              <a:t>7</a:t>
+              <a:t>5</a:t>
             </a:r>
             <a:r>
               <a:rPr lang="ko-KR" altLang="en-US" sz="1000" dirty="0"/>
@@ -3088,7 +3109,7 @@
             </a:r>
             <a:r>
               <a:rPr lang="en-US" altLang="ko-KR" sz="1000" dirty="0"/>
-              <a:t>31</a:t>
+              <a:t>15</a:t>
             </a:r>
             <a:r>
               <a:rPr lang="ko-KR" altLang="en-US" sz="1000" dirty="0"/>
@@ -3118,76 +3139,40 @@
             </a:r>
             <a:r>
               <a:rPr lang="ko-KR" altLang="en-US" sz="1000" dirty="0"/>
-              <a:t>이소진</a:t>
-            </a:r>
-            <a:r>
-              <a:rPr lang="en-US" altLang="ko-KR" sz="1000" dirty="0"/>
-              <a:t>,</a:t>
-            </a:r>
-            <a:r>
-              <a:rPr lang="ko-KR" altLang="en-US" sz="1000" dirty="0"/>
-              <a:t> 배수현</a:t>
+              <a:t>한승훈</a:t>
             </a:r>
             <a:r>
               <a:rPr lang="en-US" altLang="ko-KR" sz="1000" dirty="0"/>
               <a:t>, </a:t>
             </a:r>
             <a:r>
-              <a:rPr lang="ko-KR" altLang="en-US" sz="1000" dirty="0"/>
-              <a:t>전상일</a:t>
-            </a:r>
-            <a:r>
-              <a:rPr lang="en-US" altLang="ko-KR" sz="1000" dirty="0"/>
-              <a:t>, </a:t>
-            </a:r>
-            <a:r>
-              <a:rPr lang="ko-KR" altLang="en-US" sz="1000" dirty="0"/>
-              <a:t>홍태곤</a:t>
-            </a:r>
-            <a:r>
-              <a:rPr lang="en-US" altLang="ko-KR" sz="1000" dirty="0"/>
-              <a:t>, </a:t>
-            </a:r>
-          </a:p>
-          <a:p>
+              <a:rPr lang="ko-KR" altLang="en-US" sz="1000" dirty="0" err="1"/>
+              <a:t>한성필</a:t>
+            </a:r>
+            <a:endParaRPr lang="en-US" altLang="ko-KR" sz="1000" dirty="0"/>
+          </a:p>
+          <a:p>
+            <a:r>
+              <a:rPr lang="ko-KR" altLang="en-US" sz="1000" b="1" dirty="0"/>
+              <a:t>펴낸이</a:t>
+            </a:r>
             <a:r>
               <a:rPr lang="en-US" altLang="ko-KR" sz="1000" dirty="0"/>
               <a:t>		</a:t>
             </a:r>
             <a:r>
               <a:rPr lang="ko-KR" altLang="en-US" sz="1000" dirty="0"/>
-              <a:t>한승훈</a:t>
+              <a:t>가톨릭대학교 계량약리학연구소 </a:t>
             </a:r>
             <a:r>
               <a:rPr lang="en-US" altLang="ko-KR" sz="1000" dirty="0"/>
-              <a:t>, </a:t>
-            </a:r>
-            <a:r>
-              <a:rPr lang="ko-KR" altLang="en-US" sz="1000" dirty="0"/>
-              <a:t>김정렬</a:t>
-            </a:r>
-            <a:r>
-              <a:rPr lang="en-US" altLang="ko-KR" sz="1000" dirty="0"/>
-              <a:t>, </a:t>
-            </a:r>
-            <a:r>
-              <a:rPr lang="ko-KR" altLang="en-US" sz="1000" dirty="0"/>
-              <a:t>배균섭</a:t>
-            </a:r>
-            <a:r>
-              <a:rPr lang="en-US" altLang="ko-KR" sz="1000" dirty="0"/>
-              <a:t>, </a:t>
-            </a:r>
-            <a:r>
-              <a:rPr lang="ko-KR" altLang="en-US" sz="1000" dirty="0"/>
-              <a:t>한성필</a:t>
-            </a:r>
-            <a:endParaRPr lang="en-US" altLang="ko-KR" sz="1000" dirty="0"/>
+              <a:t>(PIPET)</a:t>
+            </a:r>
           </a:p>
           <a:p>
             <a:r>
               <a:rPr lang="ko-KR" altLang="en-US" sz="1000" b="1" dirty="0"/>
-              <a:t>펴낸이</a:t>
+              <a:t>주소</a:t>
             </a:r>
             <a:r>
               <a:rPr lang="en-US" altLang="ko-KR" sz="1000" dirty="0"/>
@@ -3195,43 +3180,25 @@
             </a:r>
             <a:r>
               <a:rPr lang="ko-KR" altLang="en-US" sz="1000" dirty="0"/>
-              <a:t>가톨릭대학교 계량약리학연구소 </a:t>
+              <a:t>서울시 서초구 반포대로 </a:t>
             </a:r>
             <a:r>
               <a:rPr lang="en-US" altLang="ko-KR" sz="1000" dirty="0"/>
-              <a:t>(PIPET)</a:t>
-            </a:r>
-          </a:p>
-          <a:p>
-            <a:r>
-              <a:rPr lang="ko-KR" altLang="en-US" sz="1000" b="1" dirty="0"/>
-              <a:t>주소</a:t>
-            </a:r>
+              <a:t>222 </a:t>
+            </a:r>
+            <a:r>
+              <a:rPr lang="ko-KR" altLang="en-US" sz="1000" dirty="0"/>
+              <a:t>성의교정 </a:t>
+            </a:r>
+            <a:endParaRPr lang="en-US" altLang="ko-KR" sz="1000" dirty="0"/>
+          </a:p>
+          <a:p>
             <a:r>
               <a:rPr lang="en-US" altLang="ko-KR" sz="1000" dirty="0"/>
               <a:t>		</a:t>
             </a:r>
             <a:r>
               <a:rPr lang="ko-KR" altLang="en-US" sz="1000" dirty="0"/>
-              <a:t>서울시 서초구 반포대로 </a:t>
-            </a:r>
-            <a:r>
-              <a:rPr lang="en-US" altLang="ko-KR" sz="1000" dirty="0"/>
-              <a:t>222 </a:t>
-            </a:r>
-            <a:r>
-              <a:rPr lang="ko-KR" altLang="en-US" sz="1000" dirty="0"/>
-              <a:t>성의교정 </a:t>
-            </a:r>
-            <a:endParaRPr lang="en-US" altLang="ko-KR" sz="1000" dirty="0"/>
-          </a:p>
-          <a:p>
-            <a:r>
-              <a:rPr lang="en-US" altLang="ko-KR" sz="1000" dirty="0"/>
-              <a:t>		</a:t>
-            </a:r>
-            <a:r>
-              <a:rPr lang="ko-KR" altLang="en-US" sz="1000" dirty="0"/>
               <a:t>의대본관 </a:t>
             </a:r>
             <a:r>
@@ -3278,7 +3245,23 @@
             </a:r>
             <a:r>
               <a:rPr lang="en-US" altLang="ko-KR" sz="1000" dirty="0"/>
-              <a:t>	www.github.com/pipetcpt/basic/issues</a:t>
+              <a:t>	www.github.com/</a:t>
+            </a:r>
+            <a:r>
+              <a:rPr lang="en-US" altLang="ko-KR" sz="1000" dirty="0" err="1"/>
+              <a:t>pipetcpt</a:t>
+            </a:r>
+            <a:r>
+              <a:rPr lang="en-US" altLang="ko-KR" sz="1000" dirty="0"/>
+              <a:t>/</a:t>
+            </a:r>
+            <a:r>
+              <a:rPr lang="en-US" altLang="ko-KR" sz="1000" dirty="0" err="1"/>
+              <a:t>pharmapk</a:t>
+            </a:r>
+            <a:r>
+              <a:rPr lang="en-US" altLang="ko-KR" sz="1000" dirty="0"/>
+              <a:t>/issues</a:t>
             </a:r>
           </a:p>
           <a:p>
@@ -3310,7 +3293,7 @@
           <a:p>
             <a:r>
               <a:rPr lang="en-US" altLang="ko-KR" sz="1000" dirty="0"/>
-              <a:t>Copyright © PIPET, 2020. Printed in Seoul, Korea.</a:t>
+              <a:t>Copyright © PIPET, 2021. Printed in Seoul, Korea.</a:t>
             </a:r>
           </a:p>
           <a:p>

--- a/images/pipet.pptx
+++ b/images/pipet.pptx
@@ -243,7 +243,7 @@
           <a:p>
             <a:fld id="{D565068E-A1BD-4066-9CE0-90E42F2B01EE}" type="datetimeFigureOut">
               <a:rPr lang="en-US" smtClean="0"/>
-              <a:t>5/3/21</a:t>
+              <a:t>8/11/21</a:t>
             </a:fld>
             <a:endParaRPr lang="en-US"/>
           </a:p>
@@ -413,7 +413,7 @@
           <a:p>
             <a:fld id="{D565068E-A1BD-4066-9CE0-90E42F2B01EE}" type="datetimeFigureOut">
               <a:rPr lang="en-US" smtClean="0"/>
-              <a:t>5/3/21</a:t>
+              <a:t>8/11/21</a:t>
             </a:fld>
             <a:endParaRPr lang="en-US"/>
           </a:p>
@@ -593,7 +593,7 @@
           <a:p>
             <a:fld id="{D565068E-A1BD-4066-9CE0-90E42F2B01EE}" type="datetimeFigureOut">
               <a:rPr lang="en-US" smtClean="0"/>
-              <a:t>5/3/21</a:t>
+              <a:t>8/11/21</a:t>
             </a:fld>
             <a:endParaRPr lang="en-US"/>
           </a:p>
@@ -763,7 +763,7 @@
           <a:p>
             <a:fld id="{D565068E-A1BD-4066-9CE0-90E42F2B01EE}" type="datetimeFigureOut">
               <a:rPr lang="en-US" smtClean="0"/>
-              <a:t>5/3/21</a:t>
+              <a:t>8/11/21</a:t>
             </a:fld>
             <a:endParaRPr lang="en-US"/>
           </a:p>
@@ -1007,7 +1007,7 @@
           <a:p>
             <a:fld id="{D565068E-A1BD-4066-9CE0-90E42F2B01EE}" type="datetimeFigureOut">
               <a:rPr lang="en-US" smtClean="0"/>
-              <a:t>5/3/21</a:t>
+              <a:t>8/11/21</a:t>
             </a:fld>
             <a:endParaRPr lang="en-US"/>
           </a:p>
@@ -1239,7 +1239,7 @@
           <a:p>
             <a:fld id="{D565068E-A1BD-4066-9CE0-90E42F2B01EE}" type="datetimeFigureOut">
               <a:rPr lang="en-US" smtClean="0"/>
-              <a:t>5/3/21</a:t>
+              <a:t>8/11/21</a:t>
             </a:fld>
             <a:endParaRPr lang="en-US"/>
           </a:p>
@@ -1606,7 +1606,7 @@
           <a:p>
             <a:fld id="{D565068E-A1BD-4066-9CE0-90E42F2B01EE}" type="datetimeFigureOut">
               <a:rPr lang="en-US" smtClean="0"/>
-              <a:t>5/3/21</a:t>
+              <a:t>8/11/21</a:t>
             </a:fld>
             <a:endParaRPr lang="en-US"/>
           </a:p>
@@ -1724,7 +1724,7 @@
           <a:p>
             <a:fld id="{D565068E-A1BD-4066-9CE0-90E42F2B01EE}" type="datetimeFigureOut">
               <a:rPr lang="en-US" smtClean="0"/>
-              <a:t>5/3/21</a:t>
+              <a:t>8/11/21</a:t>
             </a:fld>
             <a:endParaRPr lang="en-US"/>
           </a:p>
@@ -1819,7 +1819,7 @@
           <a:p>
             <a:fld id="{D565068E-A1BD-4066-9CE0-90E42F2B01EE}" type="datetimeFigureOut">
               <a:rPr lang="en-US" smtClean="0"/>
-              <a:t>5/3/21</a:t>
+              <a:t>8/11/21</a:t>
             </a:fld>
             <a:endParaRPr lang="en-US"/>
           </a:p>
@@ -2096,7 +2096,7 @@
           <a:p>
             <a:fld id="{D565068E-A1BD-4066-9CE0-90E42F2B01EE}" type="datetimeFigureOut">
               <a:rPr lang="en-US" smtClean="0"/>
-              <a:t>5/3/21</a:t>
+              <a:t>8/11/21</a:t>
             </a:fld>
             <a:endParaRPr lang="en-US"/>
           </a:p>
@@ -2353,7 +2353,7 @@
           <a:p>
             <a:fld id="{D565068E-A1BD-4066-9CE0-90E42F2B01EE}" type="datetimeFigureOut">
               <a:rPr lang="en-US" smtClean="0"/>
-              <a:t>5/3/21</a:t>
+              <a:t>8/11/21</a:t>
             </a:fld>
             <a:endParaRPr lang="en-US"/>
           </a:p>
@@ -2566,7 +2566,7 @@
           <a:p>
             <a:fld id="{D565068E-A1BD-4066-9CE0-90E42F2B01EE}" type="datetimeFigureOut">
               <a:rPr lang="en-US" smtClean="0"/>
-              <a:t>5/3/21</a:t>
+              <a:t>8/11/21</a:t>
             </a:fld>
             <a:endParaRPr lang="en-US"/>
           </a:p>
@@ -3053,7 +3053,7 @@
             </a:r>
             <a:r>
               <a:rPr lang="en-US" altLang="ko-Kore-KR" sz="1400" b="1" dirty="0"/>
-              <a:t>I -</a:t>
+              <a:t>I-</a:t>
             </a:r>
             <a:r>
               <a:rPr lang="ko-KR" altLang="en-US" sz="1400" b="1" dirty="0"/>
@@ -3101,7 +3101,7 @@
             </a:r>
             <a:r>
               <a:rPr lang="en-US" altLang="ko-KR" sz="1000" dirty="0"/>
-              <a:t>5</a:t>
+              <a:t>8</a:t>
             </a:r>
             <a:r>
               <a:rPr lang="ko-KR" altLang="en-US" sz="1000" dirty="0"/>
